--- a/doc/styleguide.pptx
+++ b/doc/styleguide.pptx
@@ -118,6 +118,11 @@
       </a:defRPr>
     </a:lvl9pPr>
   </p:defaultTextStyle>
+  <p:extLst>
+    <p:ext uri="{EFAFB233-063F-42B5-8137-9DF3F51BA10A}">
+      <p15:sldGuideLst xmlns:p15="http://schemas.microsoft.com/office/powerpoint/2012/main"/>
+    </p:ext>
+  </p:extLst>
 </p:presentation>
 </file>
 
@@ -3896,45 +3901,6 @@
           </a:p>
         </p:txBody>
       </p:sp>
-      <p:pic>
-        <p:nvPicPr>
-          <p:cNvPr id="18" name="Grafik 17" descr="Pfeil: 180-Grad, horizontal mit einfarbiger Füllung">
-            <a:hlinkClick r:id="rId5" action="ppaction://hlinksldjump"/>
-            <a:extLst>
-              <a:ext uri="{FF2B5EF4-FFF2-40B4-BE49-F238E27FC236}">
-                <a16:creationId xmlns:a16="http://schemas.microsoft.com/office/drawing/2014/main" id="{7A73C97B-745B-1BAA-344D-BFAEE0B1B805}"/>
-              </a:ext>
-            </a:extLst>
-          </p:cNvPr>
-          <p:cNvPicPr>
-            <a:picLocks noChangeAspect="1"/>
-          </p:cNvPicPr>
-          <p:nvPr/>
-        </p:nvPicPr>
-        <p:blipFill>
-          <a:blip r:embed="rId6">
-            <a:extLst>
-              <a:ext uri="{28A0092B-C50C-407E-A947-70E740481C1C}">
-                <a14:useLocalDpi xmlns:a14="http://schemas.microsoft.com/office/drawing/2010/main" val="0"/>
-              </a:ext>
-              <a:ext uri="{96DAC541-7B7A-43D3-8B79-37D633B846F1}">
-                <asvg:svgBlip xmlns:asvg="http://schemas.microsoft.com/office/drawing/2016/SVG/main" r:embed="rId7"/>
-              </a:ext>
-            </a:extLst>
-          </a:blip>
-          <a:srcRect/>
-          <a:stretch/>
-        </p:blipFill>
-        <p:spPr>
-          <a:xfrm>
-            <a:off x="11506206" y="6181628"/>
-            <a:ext cx="576000" cy="576000"/>
-          </a:xfrm>
-          <a:prstGeom prst="rect">
-            <a:avLst/>
-          </a:prstGeom>
-        </p:spPr>
-      </p:pic>
     </p:spTree>
     <p:extLst>
       <p:ext uri="{BB962C8B-B14F-4D97-AF65-F5344CB8AC3E}">
@@ -7347,45 +7313,6 @@
           </p:txBody>
         </p:sp>
       </p:grpSp>
-      <p:pic>
-        <p:nvPicPr>
-          <p:cNvPr id="15" name="Grafik 14" descr="Pfeil: 180-Grad, horizontal mit einfarbiger Füllung">
-            <a:hlinkClick r:id="rId7" action="ppaction://hlinksldjump"/>
-            <a:extLst>
-              <a:ext uri="{FF2B5EF4-FFF2-40B4-BE49-F238E27FC236}">
-                <a16:creationId xmlns:a16="http://schemas.microsoft.com/office/drawing/2014/main" id="{89E1ABD1-3DA6-542F-D95E-A321C1F58EB8}"/>
-              </a:ext>
-            </a:extLst>
-          </p:cNvPr>
-          <p:cNvPicPr>
-            <a:picLocks noChangeAspect="1"/>
-          </p:cNvPicPr>
-          <p:nvPr/>
-        </p:nvPicPr>
-        <p:blipFill>
-          <a:blip r:embed="rId8">
-            <a:extLst>
-              <a:ext uri="{28A0092B-C50C-407E-A947-70E740481C1C}">
-                <a14:useLocalDpi xmlns:a14="http://schemas.microsoft.com/office/drawing/2010/main" val="0"/>
-              </a:ext>
-              <a:ext uri="{96DAC541-7B7A-43D3-8B79-37D633B846F1}">
-                <asvg:svgBlip xmlns:asvg="http://schemas.microsoft.com/office/drawing/2016/SVG/main" r:embed="rId9"/>
-              </a:ext>
-            </a:extLst>
-          </a:blip>
-          <a:srcRect/>
-          <a:stretch/>
-        </p:blipFill>
-        <p:spPr>
-          <a:xfrm>
-            <a:off x="11506206" y="6181628"/>
-            <a:ext cx="576000" cy="576000"/>
-          </a:xfrm>
-          <a:prstGeom prst="rect">
-            <a:avLst/>
-          </a:prstGeom>
-        </p:spPr>
-      </p:pic>
     </p:spTree>
     <p:extLst>
       <p:ext uri="{BB962C8B-B14F-4D97-AF65-F5344CB8AC3E}">
@@ -8410,45 +8337,6 @@
           </p:txBody>
         </p:sp>
       </p:grpSp>
-      <p:pic>
-        <p:nvPicPr>
-          <p:cNvPr id="32" name="Grafik 31" descr="Pfeil: 180-Grad, horizontal mit einfarbiger Füllung">
-            <a:hlinkClick r:id="rId3" action="ppaction://hlinksldjump"/>
-            <a:extLst>
-              <a:ext uri="{FF2B5EF4-FFF2-40B4-BE49-F238E27FC236}">
-                <a16:creationId xmlns:a16="http://schemas.microsoft.com/office/drawing/2014/main" id="{77D9D827-883C-279D-0808-C5E650C04D5D}"/>
-              </a:ext>
-            </a:extLst>
-          </p:cNvPr>
-          <p:cNvPicPr>
-            <a:picLocks noChangeAspect="1"/>
-          </p:cNvPicPr>
-          <p:nvPr/>
-        </p:nvPicPr>
-        <p:blipFill>
-          <a:blip r:embed="rId4">
-            <a:extLst>
-              <a:ext uri="{28A0092B-C50C-407E-A947-70E740481C1C}">
-                <a14:useLocalDpi xmlns:a14="http://schemas.microsoft.com/office/drawing/2010/main" val="0"/>
-              </a:ext>
-              <a:ext uri="{96DAC541-7B7A-43D3-8B79-37D633B846F1}">
-                <asvg:svgBlip xmlns:asvg="http://schemas.microsoft.com/office/drawing/2016/SVG/main" r:embed="rId5"/>
-              </a:ext>
-            </a:extLst>
-          </a:blip>
-          <a:srcRect/>
-          <a:stretch/>
-        </p:blipFill>
-        <p:spPr>
-          <a:xfrm>
-            <a:off x="11506206" y="6181628"/>
-            <a:ext cx="576000" cy="576000"/>
-          </a:xfrm>
-          <a:prstGeom prst="rect">
-            <a:avLst/>
-          </a:prstGeom>
-        </p:spPr>
-      </p:pic>
     </p:spTree>
     <p:extLst>
       <p:ext uri="{BB962C8B-B14F-4D97-AF65-F5344CB8AC3E}">
@@ -9130,45 +9018,6 @@
           </a:p>
         </p:txBody>
       </p:sp>
-      <p:pic>
-        <p:nvPicPr>
-          <p:cNvPr id="9" name="Grafik 8" descr="Pfeil: 180-Grad, horizontal mit einfarbiger Füllung">
-            <a:hlinkClick r:id="rId3" action="ppaction://hlinksldjump"/>
-            <a:extLst>
-              <a:ext uri="{FF2B5EF4-FFF2-40B4-BE49-F238E27FC236}">
-                <a16:creationId xmlns:a16="http://schemas.microsoft.com/office/drawing/2014/main" id="{41AEC823-5A03-69F3-94D1-6CBA84F8ED43}"/>
-              </a:ext>
-            </a:extLst>
-          </p:cNvPr>
-          <p:cNvPicPr>
-            <a:picLocks noChangeAspect="1"/>
-          </p:cNvPicPr>
-          <p:nvPr/>
-        </p:nvPicPr>
-        <p:blipFill>
-          <a:blip r:embed="rId4">
-            <a:extLst>
-              <a:ext uri="{28A0092B-C50C-407E-A947-70E740481C1C}">
-                <a14:useLocalDpi xmlns:a14="http://schemas.microsoft.com/office/drawing/2010/main" val="0"/>
-              </a:ext>
-              <a:ext uri="{96DAC541-7B7A-43D3-8B79-37D633B846F1}">
-                <asvg:svgBlip xmlns:asvg="http://schemas.microsoft.com/office/drawing/2016/SVG/main" r:embed="rId5"/>
-              </a:ext>
-            </a:extLst>
-          </a:blip>
-          <a:srcRect/>
-          <a:stretch/>
-        </p:blipFill>
-        <p:spPr>
-          <a:xfrm>
-            <a:off x="11506206" y="6181628"/>
-            <a:ext cx="576000" cy="576000"/>
-          </a:xfrm>
-          <a:prstGeom prst="rect">
-            <a:avLst/>
-          </a:prstGeom>
-        </p:spPr>
-      </p:pic>
     </p:spTree>
     <p:extLst>
       <p:ext uri="{BB962C8B-B14F-4D97-AF65-F5344CB8AC3E}">
@@ -9886,45 +9735,6 @@
           </a:p>
         </p:txBody>
       </p:sp>
-      <p:pic>
-        <p:nvPicPr>
-          <p:cNvPr id="14" name="Grafik 13" descr="Pfeil: 180-Grad, horizontal mit einfarbiger Füllung">
-            <a:hlinkClick r:id="rId4" action="ppaction://hlinksldjump"/>
-            <a:extLst>
-              <a:ext uri="{FF2B5EF4-FFF2-40B4-BE49-F238E27FC236}">
-                <a16:creationId xmlns:a16="http://schemas.microsoft.com/office/drawing/2014/main" id="{C1ABFE48-FF6F-F544-1570-A180D8F76703}"/>
-              </a:ext>
-            </a:extLst>
-          </p:cNvPr>
-          <p:cNvPicPr>
-            <a:picLocks noChangeAspect="1"/>
-          </p:cNvPicPr>
-          <p:nvPr/>
-        </p:nvPicPr>
-        <p:blipFill>
-          <a:blip r:embed="rId5">
-            <a:extLst>
-              <a:ext uri="{28A0092B-C50C-407E-A947-70E740481C1C}">
-                <a14:useLocalDpi xmlns:a14="http://schemas.microsoft.com/office/drawing/2010/main" val="0"/>
-              </a:ext>
-              <a:ext uri="{96DAC541-7B7A-43D3-8B79-37D633B846F1}">
-                <asvg:svgBlip xmlns:asvg="http://schemas.microsoft.com/office/drawing/2016/SVG/main" r:embed="rId6"/>
-              </a:ext>
-            </a:extLst>
-          </a:blip>
-          <a:srcRect/>
-          <a:stretch/>
-        </p:blipFill>
-        <p:spPr>
-          <a:xfrm>
-            <a:off x="11506206" y="6181628"/>
-            <a:ext cx="576000" cy="576000"/>
-          </a:xfrm>
-          <a:prstGeom prst="rect">
-            <a:avLst/>
-          </a:prstGeom>
-        </p:spPr>
-      </p:pic>
     </p:spTree>
     <p:extLst>
       <p:ext uri="{BB962C8B-B14F-4D97-AF65-F5344CB8AC3E}">
@@ -10461,84 +10271,111 @@
           </a:p>
         </p:txBody>
       </p:sp>
-      <p:pic>
-        <p:nvPicPr>
-          <p:cNvPr id="13" name="Grafik 12" descr="Chat mit einfarbiger Füllung">
-            <a:extLst>
-              <a:ext uri="{FF2B5EF4-FFF2-40B4-BE49-F238E27FC236}">
-                <a16:creationId xmlns:a16="http://schemas.microsoft.com/office/drawing/2014/main" id="{02D08D1D-3CE5-28E8-51A3-C3023C119E20}"/>
-              </a:ext>
-            </a:extLst>
-          </p:cNvPr>
-          <p:cNvPicPr>
-            <a:picLocks noChangeAspect="1"/>
-          </p:cNvPicPr>
+      <p:grpSp>
+        <p:nvGrpSpPr>
+          <p:cNvPr id="8" name="Gruppieren 7">
+            <a:extLst>
+              <a:ext uri="{FF2B5EF4-FFF2-40B4-BE49-F238E27FC236}">
+                <a16:creationId xmlns:a16="http://schemas.microsoft.com/office/drawing/2014/main" id="{3C6B3813-99B2-1455-DE7B-CB9C12F26245}"/>
+              </a:ext>
+            </a:extLst>
+          </p:cNvPr>
+          <p:cNvGrpSpPr/>
           <p:nvPr/>
-        </p:nvPicPr>
-        <p:blipFill>
-          <a:blip r:embed="rId3">
-            <a:extLst>
-              <a:ext uri="{28A0092B-C50C-407E-A947-70E740481C1C}">
-                <a14:useLocalDpi xmlns:a14="http://schemas.microsoft.com/office/drawing/2010/main" val="0"/>
-              </a:ext>
-              <a:ext uri="{96DAC541-7B7A-43D3-8B79-37D633B846F1}">
-                <asvg:svgBlip xmlns:asvg="http://schemas.microsoft.com/office/drawing/2016/SVG/main" r:embed="rId4"/>
-              </a:ext>
-            </a:extLst>
-          </a:blip>
-          <a:stretch>
-            <a:fillRect/>
-          </a:stretch>
-        </p:blipFill>
-        <p:spPr>
+        </p:nvGrpSpPr>
+        <p:grpSpPr>
           <a:xfrm>
-            <a:off x="6407118" y="1983929"/>
+            <a:off x="6358253" y="1983929"/>
             <a:ext cx="720000" cy="720000"/>
+            <a:chOff x="3684784" y="2939143"/>
+            <a:chExt cx="1800000" cy="1800000"/>
           </a:xfrm>
-          <a:prstGeom prst="rect">
-            <a:avLst/>
-          </a:prstGeom>
-        </p:spPr>
-      </p:pic>
-      <p:pic>
-        <p:nvPicPr>
-          <p:cNvPr id="15" name="Grafik 14" descr="Pfeil: 180-Grad, horizontal mit einfarbiger Füllung">
-            <a:hlinkClick r:id="rId5" action="ppaction://hlinksldjump"/>
-            <a:extLst>
-              <a:ext uri="{FF2B5EF4-FFF2-40B4-BE49-F238E27FC236}">
-                <a16:creationId xmlns:a16="http://schemas.microsoft.com/office/drawing/2014/main" id="{6F06A299-A772-3F45-FD05-B76AABFB2821}"/>
-              </a:ext>
-            </a:extLst>
-          </p:cNvPr>
-          <p:cNvPicPr>
-            <a:picLocks noChangeAspect="1"/>
-          </p:cNvPicPr>
-          <p:nvPr/>
-        </p:nvPicPr>
-        <p:blipFill>
-          <a:blip r:embed="rId6">
-            <a:extLst>
-              <a:ext uri="{28A0092B-C50C-407E-A947-70E740481C1C}">
-                <a14:useLocalDpi xmlns:a14="http://schemas.microsoft.com/office/drawing/2010/main" val="0"/>
-              </a:ext>
-              <a:ext uri="{96DAC541-7B7A-43D3-8B79-37D633B846F1}">
-                <asvg:svgBlip xmlns:asvg="http://schemas.microsoft.com/office/drawing/2016/SVG/main" r:embed="rId7"/>
-              </a:ext>
-            </a:extLst>
-          </a:blip>
-          <a:srcRect/>
-          <a:stretch/>
-        </p:blipFill>
-        <p:spPr>
-          <a:xfrm>
-            <a:off x="11506206" y="6181628"/>
-            <a:ext cx="576000" cy="576000"/>
-          </a:xfrm>
-          <a:prstGeom prst="rect">
-            <a:avLst/>
-          </a:prstGeom>
-        </p:spPr>
-      </p:pic>
+        </p:grpSpPr>
+        <p:sp>
+          <p:nvSpPr>
+            <p:cNvPr id="14" name="Ellipse 13">
+              <a:extLst>
+                <a:ext uri="{FF2B5EF4-FFF2-40B4-BE49-F238E27FC236}">
+                  <a16:creationId xmlns:a16="http://schemas.microsoft.com/office/drawing/2014/main" id="{49D19633-5DD4-EBF2-DBCD-7B6893CDB9A3}"/>
+                </a:ext>
+              </a:extLst>
+            </p:cNvPr>
+            <p:cNvSpPr/>
+            <p:nvPr/>
+          </p:nvSpPr>
+          <p:spPr>
+            <a:xfrm>
+              <a:off x="3684784" y="2939143"/>
+              <a:ext cx="1800000" cy="1800000"/>
+            </a:xfrm>
+            <a:prstGeom prst="ellipse">
+              <a:avLst/>
+            </a:prstGeom>
+            <a:ln w="38100"/>
+          </p:spPr>
+          <p:style>
+            <a:lnRef idx="2">
+              <a:schemeClr val="dk1"/>
+            </a:lnRef>
+            <a:fillRef idx="1">
+              <a:schemeClr val="lt1"/>
+            </a:fillRef>
+            <a:effectRef idx="0">
+              <a:schemeClr val="dk1"/>
+            </a:effectRef>
+            <a:fontRef idx="minor">
+              <a:schemeClr val="dk1"/>
+            </a:fontRef>
+          </p:style>
+          <p:txBody>
+            <a:bodyPr rtlCol="0" anchor="ctr"/>
+            <a:lstStyle/>
+            <a:p>
+              <a:pPr algn="ctr"/>
+              <a:endParaRPr lang="de-DE"/>
+            </a:p>
+          </p:txBody>
+        </p:sp>
+        <p:pic>
+          <p:nvPicPr>
+            <p:cNvPr id="16" name="Grafik 15" descr="Chat mit einfarbiger Füllung">
+              <a:extLst>
+                <a:ext uri="{FF2B5EF4-FFF2-40B4-BE49-F238E27FC236}">
+                  <a16:creationId xmlns:a16="http://schemas.microsoft.com/office/drawing/2014/main" id="{498EE90C-D929-35E8-8CAD-44CBE3136D54}"/>
+                </a:ext>
+              </a:extLst>
+            </p:cNvPr>
+            <p:cNvPicPr>
+              <a:picLocks noChangeAspect="1"/>
+            </p:cNvPicPr>
+            <p:nvPr/>
+          </p:nvPicPr>
+          <p:blipFill>
+            <a:blip r:embed="rId3">
+              <a:extLst>
+                <a:ext uri="{28A0092B-C50C-407E-A947-70E740481C1C}">
+                  <a14:useLocalDpi xmlns:a14="http://schemas.microsoft.com/office/drawing/2010/main" val="0"/>
+                </a:ext>
+                <a:ext uri="{96DAC541-7B7A-43D3-8B79-37D633B846F1}">
+                  <asvg:svgBlip xmlns:asvg="http://schemas.microsoft.com/office/drawing/2016/SVG/main" r:embed="rId4"/>
+                </a:ext>
+              </a:extLst>
+            </a:blip>
+            <a:stretch>
+              <a:fillRect/>
+            </a:stretch>
+          </p:blipFill>
+          <p:spPr>
+            <a:xfrm>
+              <a:off x="3864784" y="3119143"/>
+              <a:ext cx="1440000" cy="1440000"/>
+            </a:xfrm>
+            <a:prstGeom prst="rect">
+              <a:avLst/>
+            </a:prstGeom>
+          </p:spPr>
+        </p:pic>
+      </p:grpSp>
     </p:spTree>
     <p:extLst>
       <p:ext uri="{BB962C8B-B14F-4D97-AF65-F5344CB8AC3E}">
@@ -12632,45 +12469,6 @@
           </a:fontRef>
         </p:style>
       </p:cxnSp>
-      <p:pic>
-        <p:nvPicPr>
-          <p:cNvPr id="81" name="Grafik 80" descr="Pfeil: 180-Grad, horizontal mit einfarbiger Füllung">
-            <a:hlinkClick r:id="rId15" action="ppaction://hlinksldjump"/>
-            <a:extLst>
-              <a:ext uri="{FF2B5EF4-FFF2-40B4-BE49-F238E27FC236}">
-                <a16:creationId xmlns:a16="http://schemas.microsoft.com/office/drawing/2014/main" id="{5D3D92F7-DC48-22B7-B33C-8CBE66DE3784}"/>
-              </a:ext>
-            </a:extLst>
-          </p:cNvPr>
-          <p:cNvPicPr>
-            <a:picLocks noChangeAspect="1"/>
-          </p:cNvPicPr>
-          <p:nvPr/>
-        </p:nvPicPr>
-        <p:blipFill>
-          <a:blip r:embed="rId16">
-            <a:extLst>
-              <a:ext uri="{28A0092B-C50C-407E-A947-70E740481C1C}">
-                <a14:useLocalDpi xmlns:a14="http://schemas.microsoft.com/office/drawing/2010/main" val="0"/>
-              </a:ext>
-              <a:ext uri="{96DAC541-7B7A-43D3-8B79-37D633B846F1}">
-                <asvg:svgBlip xmlns:asvg="http://schemas.microsoft.com/office/drawing/2016/SVG/main" r:embed="rId17"/>
-              </a:ext>
-            </a:extLst>
-          </a:blip>
-          <a:srcRect/>
-          <a:stretch/>
-        </p:blipFill>
-        <p:spPr>
-          <a:xfrm>
-            <a:off x="11506206" y="6181628"/>
-            <a:ext cx="576000" cy="576000"/>
-          </a:xfrm>
-          <a:prstGeom prst="rect">
-            <a:avLst/>
-          </a:prstGeom>
-        </p:spPr>
-      </p:pic>
     </p:spTree>
     <p:extLst>
       <p:ext uri="{BB962C8B-B14F-4D97-AF65-F5344CB8AC3E}">
@@ -13311,45 +13109,6 @@
           </p:txBody>
         </p:sp>
       </p:grpSp>
-      <p:pic>
-        <p:nvPicPr>
-          <p:cNvPr id="17" name="Grafik 16" descr="Pfeil: 180-Grad, horizontal mit einfarbiger Füllung">
-            <a:hlinkClick r:id="rId3" action="ppaction://hlinksldjump"/>
-            <a:extLst>
-              <a:ext uri="{FF2B5EF4-FFF2-40B4-BE49-F238E27FC236}">
-                <a16:creationId xmlns:a16="http://schemas.microsoft.com/office/drawing/2014/main" id="{0E62298C-E7E0-3515-767B-578167698A5D}"/>
-              </a:ext>
-            </a:extLst>
-          </p:cNvPr>
-          <p:cNvPicPr>
-            <a:picLocks noChangeAspect="1"/>
-          </p:cNvPicPr>
-          <p:nvPr/>
-        </p:nvPicPr>
-        <p:blipFill>
-          <a:blip r:embed="rId4">
-            <a:extLst>
-              <a:ext uri="{28A0092B-C50C-407E-A947-70E740481C1C}">
-                <a14:useLocalDpi xmlns:a14="http://schemas.microsoft.com/office/drawing/2010/main" val="0"/>
-              </a:ext>
-              <a:ext uri="{96DAC541-7B7A-43D3-8B79-37D633B846F1}">
-                <asvg:svgBlip xmlns:asvg="http://schemas.microsoft.com/office/drawing/2016/SVG/main" r:embed="rId5"/>
-              </a:ext>
-            </a:extLst>
-          </a:blip>
-          <a:srcRect/>
-          <a:stretch/>
-        </p:blipFill>
-        <p:spPr>
-          <a:xfrm>
-            <a:off x="11506206" y="6181628"/>
-            <a:ext cx="576000" cy="576000"/>
-          </a:xfrm>
-          <a:prstGeom prst="rect">
-            <a:avLst/>
-          </a:prstGeom>
-        </p:spPr>
-      </p:pic>
     </p:spTree>
     <p:extLst>
       <p:ext uri="{BB962C8B-B14F-4D97-AF65-F5344CB8AC3E}">
